--- a/Revision Gusse Number.pptx
+++ b/Revision Gusse Number.pptx
@@ -5,42 +5,44 @@
     <p:sldMasterId id="2147483671" r:id="rId1"/>
   </p:sldMasterIdLst>
   <p:notesMasterIdLst>
-    <p:notesMasterId r:id="rId10"/>
+    <p:notesMasterId r:id="rId12"/>
   </p:notesMasterIdLst>
   <p:sldIdLst>
     <p:sldId id="256" r:id="rId2"/>
     <p:sldId id="257" r:id="rId3"/>
     <p:sldId id="258" r:id="rId4"/>
     <p:sldId id="284" r:id="rId5"/>
-    <p:sldId id="280" r:id="rId6"/>
-    <p:sldId id="281" r:id="rId7"/>
-    <p:sldId id="282" r:id="rId8"/>
-    <p:sldId id="283" r:id="rId9"/>
+    <p:sldId id="285" r:id="rId6"/>
+    <p:sldId id="286" r:id="rId7"/>
+    <p:sldId id="280" r:id="rId8"/>
+    <p:sldId id="281" r:id="rId9"/>
+    <p:sldId id="282" r:id="rId10"/>
+    <p:sldId id="283" r:id="rId11"/>
   </p:sldIdLst>
   <p:sldSz cx="12192000" cy="6858000"/>
   <p:notesSz cx="6858000" cy="9144000"/>
   <p:embeddedFontLst>
     <p:embeddedFont>
       <p:font typeface="Aldrich" panose="020B0604020202020204" charset="0"/>
-      <p:regular r:id="rId11"/>
+      <p:regular r:id="rId13"/>
     </p:embeddedFont>
     <p:embeddedFont>
       <p:font typeface="Algerian" panose="04020705040A02060702" pitchFamily="82" charset="0"/>
-      <p:regular r:id="rId12"/>
+      <p:regular r:id="rId14"/>
     </p:embeddedFont>
     <p:embeddedFont>
       <p:font typeface="Barlow Condensed" panose="00000506000000000000" pitchFamily="2" charset="0"/>
-      <p:regular r:id="rId13"/>
-      <p:bold r:id="rId14"/>
-      <p:italic r:id="rId15"/>
-      <p:boldItalic r:id="rId16"/>
+      <p:regular r:id="rId15"/>
+      <p:bold r:id="rId16"/>
+      <p:italic r:id="rId17"/>
+      <p:boldItalic r:id="rId18"/>
     </p:embeddedFont>
     <p:embeddedFont>
       <p:font typeface="Rubik" panose="020B0604020202020204" charset="-79"/>
-      <p:regular r:id="rId17"/>
-      <p:bold r:id="rId18"/>
-      <p:italic r:id="rId19"/>
-      <p:boldItalic r:id="rId20"/>
+      <p:regular r:id="rId19"/>
+      <p:bold r:id="rId20"/>
+      <p:italic r:id="rId21"/>
+      <p:boldItalic r:id="rId22"/>
     </p:embeddedFont>
   </p:embeddedFontLst>
   <p:defaultTextStyle>
@@ -1848,6 +1850,115 @@
 </p:notes>
 </file>
 
+<file path=ppt/notesSlides/notesSlide10.xml><?xml version="1.0" encoding="utf-8"?>
+<p:notes xmlns:a="http://schemas.openxmlformats.org/drawingml/2006/main" xmlns:r="http://schemas.openxmlformats.org/officeDocument/2006/relationships" xmlns:p="http://schemas.openxmlformats.org/presentationml/2006/main" showMasterSp="0" showMasterPhAnim="0">
+  <p:cSld>
+    <p:spTree>
+      <p:nvGrpSpPr>
+        <p:cNvPr id="1" name="Shape 235"/>
+        <p:cNvGrpSpPr/>
+        <p:nvPr/>
+      </p:nvGrpSpPr>
+      <p:grpSpPr>
+        <a:xfrm>
+          <a:off x="0" y="0"/>
+          <a:ext cx="0" cy="0"/>
+          <a:chOff x="0" y="0"/>
+          <a:chExt cx="0" cy="0"/>
+        </a:xfrm>
+      </p:grpSpPr>
+      <p:sp>
+        <p:nvSpPr>
+          <p:cNvPr id="236" name="Google Shape;236;gbc6816c645_1_477:notes"/>
+          <p:cNvSpPr>
+            <a:spLocks noGrp="1" noRot="1" noChangeAspect="1"/>
+          </p:cNvSpPr>
+          <p:nvPr>
+            <p:ph type="sldImg" idx="2"/>
+          </p:nvPr>
+        </p:nvSpPr>
+        <p:spPr>
+          <a:xfrm>
+            <a:off x="381000" y="685800"/>
+            <a:ext cx="6096000" cy="3429000"/>
+          </a:xfrm>
+          <a:custGeom>
+            <a:avLst/>
+            <a:gdLst/>
+            <a:ahLst/>
+            <a:cxnLst/>
+            <a:rect l="l" t="t" r="r" b="b"/>
+            <a:pathLst>
+              <a:path w="120000" h="120000" extrusionOk="0">
+                <a:moveTo>
+                  <a:pt x="0" y="0"/>
+                </a:moveTo>
+                <a:lnTo>
+                  <a:pt x="120000" y="0"/>
+                </a:lnTo>
+                <a:lnTo>
+                  <a:pt x="120000" y="120000"/>
+                </a:lnTo>
+                <a:lnTo>
+                  <a:pt x="0" y="120000"/>
+                </a:lnTo>
+                <a:close/>
+              </a:path>
+            </a:pathLst>
+          </a:custGeom>
+        </p:spPr>
+      </p:sp>
+      <p:sp>
+        <p:nvSpPr>
+          <p:cNvPr id="237" name="Google Shape;237;gbc6816c645_1_477:notes"/>
+          <p:cNvSpPr txBox="1">
+            <a:spLocks noGrp="1"/>
+          </p:cNvSpPr>
+          <p:nvPr>
+            <p:ph type="body" idx="1"/>
+          </p:nvPr>
+        </p:nvSpPr>
+        <p:spPr>
+          <a:xfrm>
+            <a:off x="685800" y="4343400"/>
+            <a:ext cx="5486400" cy="4114800"/>
+          </a:xfrm>
+          <a:prstGeom prst="rect">
+            <a:avLst/>
+          </a:prstGeom>
+        </p:spPr>
+        <p:txBody>
+          <a:bodyPr spcFirstLastPara="1" wrap="square" lIns="91425" tIns="91425" rIns="91425" bIns="91425" anchor="t" anchorCtr="0">
+            <a:noAutofit/>
+          </a:bodyPr>
+          <a:lstStyle/>
+          <a:p>
+            <a:pPr marL="0" lvl="0" indent="0" algn="l" rtl="0">
+              <a:spcBef>
+                <a:spcPts val="0"/>
+              </a:spcBef>
+              <a:spcAft>
+                <a:spcPts val="0"/>
+              </a:spcAft>
+              <a:buNone/>
+            </a:pPr>
+            <a:endParaRPr/>
+          </a:p>
+        </p:txBody>
+      </p:sp>
+    </p:spTree>
+    <p:extLst>
+      <p:ext uri="{BB962C8B-B14F-4D97-AF65-F5344CB8AC3E}">
+        <p14:creationId xmlns:p14="http://schemas.microsoft.com/office/powerpoint/2010/main" val="1726475661"/>
+      </p:ext>
+    </p:extLst>
+  </p:cSld>
+  <p:clrMapOvr>
+    <a:masterClrMapping/>
+  </p:clrMapOvr>
+</p:notes>
+</file>
+
 <file path=ppt/notesSlides/notesSlide2.xml><?xml version="1.0" encoding="utf-8"?>
 <p:notes xmlns:a="http://schemas.openxmlformats.org/drawingml/2006/main" xmlns:r="http://schemas.openxmlformats.org/officeDocument/2006/relationships" xmlns:p="http://schemas.openxmlformats.org/presentationml/2006/main" showMasterSp="0" showMasterPhAnim="0">
   <p:cSld>
@@ -2264,7 +2375,7 @@
     </p:spTree>
     <p:extLst>
       <p:ext uri="{BB962C8B-B14F-4D97-AF65-F5344CB8AC3E}">
-        <p14:creationId xmlns:p14="http://schemas.microsoft.com/office/powerpoint/2010/main" val="3136503291"/>
+        <p14:creationId xmlns:p14="http://schemas.microsoft.com/office/powerpoint/2010/main" val="3344564730"/>
       </p:ext>
     </p:extLst>
   </p:cSld>
@@ -2373,7 +2484,7 @@
     </p:spTree>
     <p:extLst>
       <p:ext uri="{BB962C8B-B14F-4D97-AF65-F5344CB8AC3E}">
-        <p14:creationId xmlns:p14="http://schemas.microsoft.com/office/powerpoint/2010/main" val="181446646"/>
+        <p14:creationId xmlns:p14="http://schemas.microsoft.com/office/powerpoint/2010/main" val="3817601704"/>
       </p:ext>
     </p:extLst>
   </p:cSld>
@@ -2482,7 +2593,7 @@
     </p:spTree>
     <p:extLst>
       <p:ext uri="{BB962C8B-B14F-4D97-AF65-F5344CB8AC3E}">
-        <p14:creationId xmlns:p14="http://schemas.microsoft.com/office/powerpoint/2010/main" val="2245728860"/>
+        <p14:creationId xmlns:p14="http://schemas.microsoft.com/office/powerpoint/2010/main" val="3136503291"/>
       </p:ext>
     </p:extLst>
   </p:cSld>
@@ -2591,7 +2702,116 @@
     </p:spTree>
     <p:extLst>
       <p:ext uri="{BB962C8B-B14F-4D97-AF65-F5344CB8AC3E}">
-        <p14:creationId xmlns:p14="http://schemas.microsoft.com/office/powerpoint/2010/main" val="1726475661"/>
+        <p14:creationId xmlns:p14="http://schemas.microsoft.com/office/powerpoint/2010/main" val="181446646"/>
+      </p:ext>
+    </p:extLst>
+  </p:cSld>
+  <p:clrMapOvr>
+    <a:masterClrMapping/>
+  </p:clrMapOvr>
+</p:notes>
+</file>
+
+<file path=ppt/notesSlides/notesSlide9.xml><?xml version="1.0" encoding="utf-8"?>
+<p:notes xmlns:a="http://schemas.openxmlformats.org/drawingml/2006/main" xmlns:r="http://schemas.openxmlformats.org/officeDocument/2006/relationships" xmlns:p="http://schemas.openxmlformats.org/presentationml/2006/main" showMasterSp="0" showMasterPhAnim="0">
+  <p:cSld>
+    <p:spTree>
+      <p:nvGrpSpPr>
+        <p:cNvPr id="1" name="Shape 235"/>
+        <p:cNvGrpSpPr/>
+        <p:nvPr/>
+      </p:nvGrpSpPr>
+      <p:grpSpPr>
+        <a:xfrm>
+          <a:off x="0" y="0"/>
+          <a:ext cx="0" cy="0"/>
+          <a:chOff x="0" y="0"/>
+          <a:chExt cx="0" cy="0"/>
+        </a:xfrm>
+      </p:grpSpPr>
+      <p:sp>
+        <p:nvSpPr>
+          <p:cNvPr id="236" name="Google Shape;236;gbc6816c645_1_477:notes"/>
+          <p:cNvSpPr>
+            <a:spLocks noGrp="1" noRot="1" noChangeAspect="1"/>
+          </p:cNvSpPr>
+          <p:nvPr>
+            <p:ph type="sldImg" idx="2"/>
+          </p:nvPr>
+        </p:nvSpPr>
+        <p:spPr>
+          <a:xfrm>
+            <a:off x="381000" y="685800"/>
+            <a:ext cx="6096000" cy="3429000"/>
+          </a:xfrm>
+          <a:custGeom>
+            <a:avLst/>
+            <a:gdLst/>
+            <a:ahLst/>
+            <a:cxnLst/>
+            <a:rect l="l" t="t" r="r" b="b"/>
+            <a:pathLst>
+              <a:path w="120000" h="120000" extrusionOk="0">
+                <a:moveTo>
+                  <a:pt x="0" y="0"/>
+                </a:moveTo>
+                <a:lnTo>
+                  <a:pt x="120000" y="0"/>
+                </a:lnTo>
+                <a:lnTo>
+                  <a:pt x="120000" y="120000"/>
+                </a:lnTo>
+                <a:lnTo>
+                  <a:pt x="0" y="120000"/>
+                </a:lnTo>
+                <a:close/>
+              </a:path>
+            </a:pathLst>
+          </a:custGeom>
+        </p:spPr>
+      </p:sp>
+      <p:sp>
+        <p:nvSpPr>
+          <p:cNvPr id="237" name="Google Shape;237;gbc6816c645_1_477:notes"/>
+          <p:cNvSpPr txBox="1">
+            <a:spLocks noGrp="1"/>
+          </p:cNvSpPr>
+          <p:nvPr>
+            <p:ph type="body" idx="1"/>
+          </p:nvPr>
+        </p:nvSpPr>
+        <p:spPr>
+          <a:xfrm>
+            <a:off x="685800" y="4343400"/>
+            <a:ext cx="5486400" cy="4114800"/>
+          </a:xfrm>
+          <a:prstGeom prst="rect">
+            <a:avLst/>
+          </a:prstGeom>
+        </p:spPr>
+        <p:txBody>
+          <a:bodyPr spcFirstLastPara="1" wrap="square" lIns="91425" tIns="91425" rIns="91425" bIns="91425" anchor="t" anchorCtr="0">
+            <a:noAutofit/>
+          </a:bodyPr>
+          <a:lstStyle/>
+          <a:p>
+            <a:pPr marL="0" lvl="0" indent="0" algn="l" rtl="0">
+              <a:spcBef>
+                <a:spcPts val="0"/>
+              </a:spcBef>
+              <a:spcAft>
+                <a:spcPts val="0"/>
+              </a:spcAft>
+              <a:buNone/>
+            </a:pPr>
+            <a:endParaRPr/>
+          </a:p>
+        </p:txBody>
+      </p:sp>
+    </p:spTree>
+    <p:extLst>
+      <p:ext uri="{BB962C8B-B14F-4D97-AF65-F5344CB8AC3E}">
+        <p14:creationId xmlns:p14="http://schemas.microsoft.com/office/powerpoint/2010/main" val="2245728860"/>
       </p:ext>
     </p:extLst>
   </p:cSld>
@@ -6794,7 +7014,7 @@
             </a:pPr>
             <a:fld id="{00000000-1234-1234-1234-123412341234}" type="slidenum">
               <a:rPr lang="en"/>
-              <a:t>‹#›</a:t>
+              <a:t>‹N°›</a:t>
             </a:fld>
             <a:endParaRPr/>
           </a:p>
@@ -14884,6 +15104,118 @@
 </p:sld>
 </file>
 
+<file path=ppt/slides/slide10.xml><?xml version="1.0" encoding="utf-8"?>
+<p:sld xmlns:a="http://schemas.openxmlformats.org/drawingml/2006/main" xmlns:r="http://schemas.openxmlformats.org/officeDocument/2006/relationships" xmlns:p="http://schemas.openxmlformats.org/presentationml/2006/main">
+  <p:cSld>
+    <p:spTree>
+      <p:nvGrpSpPr>
+        <p:cNvPr id="1" name="Shape 238"/>
+        <p:cNvGrpSpPr/>
+        <p:nvPr/>
+      </p:nvGrpSpPr>
+      <p:grpSpPr>
+        <a:xfrm>
+          <a:off x="0" y="0"/>
+          <a:ext cx="0" cy="0"/>
+          <a:chOff x="0" y="0"/>
+          <a:chExt cx="0" cy="0"/>
+        </a:xfrm>
+      </p:grpSpPr>
+      <p:sp>
+        <p:nvSpPr>
+          <p:cNvPr id="239" name="Google Shape;239;p26"/>
+          <p:cNvSpPr txBox="1">
+            <a:spLocks noGrp="1"/>
+          </p:cNvSpPr>
+          <p:nvPr>
+            <p:ph type="title"/>
+          </p:nvPr>
+        </p:nvSpPr>
+        <p:spPr>
+          <a:xfrm>
+            <a:off x="1741712" y="1774372"/>
+            <a:ext cx="8349343" cy="3080657"/>
+          </a:xfrm>
+          <a:prstGeom prst="rect">
+            <a:avLst/>
+          </a:prstGeom>
+        </p:spPr>
+        <p:txBody>
+          <a:bodyPr spcFirstLastPara="1" wrap="square" lIns="121900" tIns="121900" rIns="121900" bIns="121900" anchor="b" anchorCtr="0">
+            <a:noAutofit/>
+          </a:bodyPr>
+          <a:lstStyle/>
+          <a:p>
+            <a:pPr marL="0" lvl="0" indent="0" algn="ctr" rtl="0">
+              <a:spcBef>
+                <a:spcPts val="0"/>
+              </a:spcBef>
+              <a:spcAft>
+                <a:spcPts val="0"/>
+              </a:spcAft>
+              <a:buNone/>
+            </a:pPr>
+            <a:r>
+              <a:rPr lang="fr-FR" sz="7200" dirty="0"/>
+              <a:t>THANK YOU</a:t>
+            </a:r>
+            <a:br>
+              <a:rPr lang="fr-FR" sz="7200" dirty="0"/>
+            </a:br>
+            <a:br>
+              <a:rPr lang="fr-FR" sz="7200" dirty="0"/>
+            </a:br>
+            <a:r>
+              <a:rPr lang="fr-FR" sz="7200" dirty="0"/>
+              <a:t>NOW LET’S PLAY</a:t>
+            </a:r>
+            <a:endParaRPr sz="7200" dirty="0"/>
+          </a:p>
+        </p:txBody>
+      </p:sp>
+      <p:pic>
+        <p:nvPicPr>
+          <p:cNvPr id="9" name="Picture 8" descr="A blue sign with white text&#10;&#10;Description automatically generated with medium confidence">
+            <a:extLst>
+              <a:ext uri="{FF2B5EF4-FFF2-40B4-BE49-F238E27FC236}">
+                <a16:creationId xmlns:a16="http://schemas.microsoft.com/office/drawing/2014/main" id="{75481B7E-2286-59EB-234F-A3198029FE4C}"/>
+              </a:ext>
+            </a:extLst>
+          </p:cNvPr>
+          <p:cNvPicPr>
+            <a:picLocks noChangeAspect="1"/>
+          </p:cNvPicPr>
+          <p:nvPr/>
+        </p:nvPicPr>
+        <p:blipFill>
+          <a:blip r:embed="rId3"/>
+          <a:stretch>
+            <a:fillRect/>
+          </a:stretch>
+        </p:blipFill>
+        <p:spPr>
+          <a:xfrm>
+            <a:off x="522517" y="351701"/>
+            <a:ext cx="655526" cy="573585"/>
+          </a:xfrm>
+          <a:prstGeom prst="rect">
+            <a:avLst/>
+          </a:prstGeom>
+        </p:spPr>
+      </p:pic>
+    </p:spTree>
+    <p:extLst>
+      <p:ext uri="{BB962C8B-B14F-4D97-AF65-F5344CB8AC3E}">
+        <p14:creationId xmlns:p14="http://schemas.microsoft.com/office/powerpoint/2010/main" val="1896731954"/>
+      </p:ext>
+    </p:extLst>
+  </p:cSld>
+  <p:clrMapOvr>
+    <a:masterClrMapping/>
+  </p:clrMapOvr>
+</p:sld>
+</file>
+
 <file path=ppt/slides/slide2.xml><?xml version="1.0" encoding="utf-8"?>
 <p:sld xmlns:a="http://schemas.openxmlformats.org/drawingml/2006/main" xmlns:r="http://schemas.openxmlformats.org/officeDocument/2006/relationships" xmlns:p="http://schemas.openxmlformats.org/presentationml/2006/main">
   <p:cSld>
@@ -16654,6 +16986,401 @@
             <a:pPr algn="ctr"/>
             <a:r>
               <a:rPr lang="fr-FR" sz="2800" dirty="0"/>
+              <a:t>CHALLENGES</a:t>
+            </a:r>
+            <a:endParaRPr lang="en-US" sz="2800" dirty="0"/>
+          </a:p>
+        </p:txBody>
+      </p:sp>
+      <p:sp>
+        <p:nvSpPr>
+          <p:cNvPr id="3" name="TextBox 2">
+            <a:extLst>
+              <a:ext uri="{FF2B5EF4-FFF2-40B4-BE49-F238E27FC236}">
+                <a16:creationId xmlns:a16="http://schemas.microsoft.com/office/drawing/2014/main" id="{25D93ADC-FB89-96BE-92FD-5B5764F3EE51}"/>
+              </a:ext>
+            </a:extLst>
+          </p:cNvPr>
+          <p:cNvSpPr txBox="1"/>
+          <p:nvPr/>
+        </p:nvSpPr>
+        <p:spPr>
+          <a:xfrm>
+            <a:off x="856734" y="1416908"/>
+            <a:ext cx="10639773" cy="527522"/>
+          </a:xfrm>
+          <a:prstGeom prst="rect">
+            <a:avLst/>
+          </a:prstGeom>
+          <a:noFill/>
+        </p:spPr>
+        <p:txBody>
+          <a:bodyPr wrap="square">
+            <a:spAutoFit/>
+          </a:bodyPr>
+          <a:lstStyle/>
+          <a:p>
+            <a:pPr algn="just"/>
+            <a:r>
+              <a:rPr lang="en-US" sz="2800" b="0" i="0" dirty="0">
+                <a:solidFill>
+                  <a:srgbClr val="24292F"/>
+                </a:solidFill>
+                <a:effectLst/>
+                <a:latin typeface="Aldrich" panose="020B0604020202020204" charset="0"/>
+              </a:rPr>
+              <a:t>CHALLENGE 1:</a:t>
+            </a:r>
+            <a:r>
+              <a:rPr lang="en-US" sz="2800" dirty="0">
+                <a:solidFill>
+                  <a:srgbClr val="24292F"/>
+                </a:solidFill>
+                <a:latin typeface="Aldrich" panose="020B0604020202020204" charset="0"/>
+              </a:rPr>
+              <a:t> Make sure the input entered is good</a:t>
+            </a:r>
+            <a:endParaRPr lang="en-US" sz="2800" b="0" i="0" dirty="0">
+              <a:solidFill>
+                <a:srgbClr val="24292F"/>
+              </a:solidFill>
+              <a:effectLst/>
+              <a:latin typeface="Aldrich" panose="020B0604020202020204" charset="0"/>
+            </a:endParaRPr>
+          </a:p>
+        </p:txBody>
+      </p:sp>
+      <p:sp>
+        <p:nvSpPr>
+          <p:cNvPr id="2" name="TextBox 2">
+            <a:extLst>
+              <a:ext uri="{FF2B5EF4-FFF2-40B4-BE49-F238E27FC236}">
+                <a16:creationId xmlns:a16="http://schemas.microsoft.com/office/drawing/2014/main" id="{3AEE83A5-B32F-DA1B-D441-6693B1132339}"/>
+              </a:ext>
+            </a:extLst>
+          </p:cNvPr>
+          <p:cNvSpPr txBox="1"/>
+          <p:nvPr/>
+        </p:nvSpPr>
+        <p:spPr>
+          <a:xfrm>
+            <a:off x="856734" y="2512252"/>
+            <a:ext cx="10639773" cy="527522"/>
+          </a:xfrm>
+          <a:prstGeom prst="rect">
+            <a:avLst/>
+          </a:prstGeom>
+          <a:noFill/>
+        </p:spPr>
+        <p:txBody>
+          <a:bodyPr wrap="square">
+            <a:spAutoFit/>
+          </a:bodyPr>
+          <a:lstStyle/>
+          <a:p>
+            <a:pPr algn="just"/>
+            <a:r>
+              <a:rPr lang="en-US" sz="2800" b="0" i="0" dirty="0">
+                <a:solidFill>
+                  <a:srgbClr val="24292F"/>
+                </a:solidFill>
+                <a:effectLst/>
+                <a:latin typeface="Aldrich" panose="020B0604020202020204" charset="0"/>
+              </a:rPr>
+              <a:t>CHALLENGE 2: How to make a code for 3 different levels</a:t>
+            </a:r>
+          </a:p>
+        </p:txBody>
+      </p:sp>
+    </p:spTree>
+    <p:extLst>
+      <p:ext uri="{BB962C8B-B14F-4D97-AF65-F5344CB8AC3E}">
+        <p14:creationId xmlns:p14="http://schemas.microsoft.com/office/powerpoint/2010/main" val="4148825217"/>
+      </p:ext>
+    </p:extLst>
+  </p:cSld>
+  <p:clrMapOvr>
+    <a:masterClrMapping/>
+  </p:clrMapOvr>
+</p:sld>
+</file>
+
+<file path=ppt/slides/slide6.xml><?xml version="1.0" encoding="utf-8"?>
+<p:sld xmlns:a="http://schemas.openxmlformats.org/drawingml/2006/main" xmlns:r="http://schemas.openxmlformats.org/officeDocument/2006/relationships" xmlns:p="http://schemas.openxmlformats.org/presentationml/2006/main">
+  <p:cSld>
+    <p:spTree>
+      <p:nvGrpSpPr>
+        <p:cNvPr id="1" name="Shape 238"/>
+        <p:cNvGrpSpPr/>
+        <p:nvPr/>
+      </p:nvGrpSpPr>
+      <p:grpSpPr>
+        <a:xfrm>
+          <a:off x="0" y="0"/>
+          <a:ext cx="0" cy="0"/>
+          <a:chOff x="0" y="0"/>
+          <a:chExt cx="0" cy="0"/>
+        </a:xfrm>
+      </p:grpSpPr>
+      <p:pic>
+        <p:nvPicPr>
+          <p:cNvPr id="9" name="Picture 8" descr="A blue sign with white text&#10;&#10;Description automatically generated with medium confidence">
+            <a:extLst>
+              <a:ext uri="{FF2B5EF4-FFF2-40B4-BE49-F238E27FC236}">
+                <a16:creationId xmlns:a16="http://schemas.microsoft.com/office/drawing/2014/main" id="{75481B7E-2286-59EB-234F-A3198029FE4C}"/>
+              </a:ext>
+            </a:extLst>
+          </p:cNvPr>
+          <p:cNvPicPr>
+            <a:picLocks noChangeAspect="1"/>
+          </p:cNvPicPr>
+          <p:nvPr/>
+        </p:nvPicPr>
+        <p:blipFill>
+          <a:blip r:embed="rId3"/>
+          <a:stretch>
+            <a:fillRect/>
+          </a:stretch>
+        </p:blipFill>
+        <p:spPr>
+          <a:xfrm>
+            <a:off x="522517" y="351701"/>
+            <a:ext cx="655526" cy="573585"/>
+          </a:xfrm>
+          <a:prstGeom prst="rect">
+            <a:avLst/>
+          </a:prstGeom>
+        </p:spPr>
+      </p:pic>
+      <p:sp>
+        <p:nvSpPr>
+          <p:cNvPr id="6" name="Title 5">
+            <a:extLst>
+              <a:ext uri="{FF2B5EF4-FFF2-40B4-BE49-F238E27FC236}">
+                <a16:creationId xmlns:a16="http://schemas.microsoft.com/office/drawing/2014/main" id="{4873B197-530D-4DC1-C678-6B4E0477D25D}"/>
+              </a:ext>
+            </a:extLst>
+          </p:cNvPr>
+          <p:cNvSpPr>
+            <a:spLocks noGrp="1"/>
+          </p:cNvSpPr>
+          <p:nvPr>
+            <p:ph type="title"/>
+          </p:nvPr>
+        </p:nvSpPr>
+        <p:spPr>
+          <a:xfrm>
+            <a:off x="522517" y="351701"/>
+            <a:ext cx="10841100" cy="497385"/>
+          </a:xfrm>
+        </p:spPr>
+        <p:txBody>
+          <a:bodyPr/>
+          <a:lstStyle/>
+          <a:p>
+            <a:pPr algn="ctr"/>
+            <a:r>
+              <a:rPr lang="fr-FR" sz="2800" dirty="0"/>
+              <a:t>PROCESS</a:t>
+            </a:r>
+            <a:endParaRPr lang="en-US" sz="2800" dirty="0"/>
+          </a:p>
+        </p:txBody>
+      </p:sp>
+      <p:sp>
+        <p:nvSpPr>
+          <p:cNvPr id="3" name="TextBox 2">
+            <a:extLst>
+              <a:ext uri="{FF2B5EF4-FFF2-40B4-BE49-F238E27FC236}">
+                <a16:creationId xmlns:a16="http://schemas.microsoft.com/office/drawing/2014/main" id="{25D93ADC-FB89-96BE-92FD-5B5764F3EE51}"/>
+              </a:ext>
+            </a:extLst>
+          </p:cNvPr>
+          <p:cNvSpPr txBox="1"/>
+          <p:nvPr/>
+        </p:nvSpPr>
+        <p:spPr>
+          <a:xfrm>
+            <a:off x="776113" y="1795848"/>
+            <a:ext cx="10639773" cy="2618794"/>
+          </a:xfrm>
+          <a:prstGeom prst="rect">
+            <a:avLst/>
+          </a:prstGeom>
+          <a:noFill/>
+        </p:spPr>
+        <p:txBody>
+          <a:bodyPr wrap="square">
+            <a:spAutoFit/>
+          </a:bodyPr>
+          <a:lstStyle/>
+          <a:p>
+            <a:pPr marL="457200" indent="-457200" algn="just">
+              <a:lnSpc>
+                <a:spcPct val="150000"/>
+              </a:lnSpc>
+              <a:buFont typeface="Wingdings" panose="05000000000000000000" pitchFamily="2" charset="2"/>
+              <a:buChar char="v"/>
+            </a:pPr>
+            <a:r>
+              <a:rPr lang="en-US" sz="2800" b="0" i="0" dirty="0">
+                <a:solidFill>
+                  <a:srgbClr val="24292F"/>
+                </a:solidFill>
+                <a:effectLst/>
+                <a:latin typeface="Aldrich" panose="020B0604020202020204" charset="0"/>
+              </a:rPr>
+              <a:t>Build a flowchart for the different steps </a:t>
+            </a:r>
+          </a:p>
+          <a:p>
+            <a:pPr marL="457200" indent="-457200" algn="just">
+              <a:lnSpc>
+                <a:spcPct val="150000"/>
+              </a:lnSpc>
+              <a:buFont typeface="Wingdings" panose="05000000000000000000" pitchFamily="2" charset="2"/>
+              <a:buChar char="v"/>
+            </a:pPr>
+            <a:r>
+              <a:rPr lang="en-US" sz="2800" b="0" i="0" dirty="0">
+                <a:solidFill>
+                  <a:srgbClr val="24292F"/>
+                </a:solidFill>
+                <a:effectLst/>
+                <a:latin typeface="Aldrich" panose="020B0604020202020204" charset="0"/>
+              </a:rPr>
+              <a:t>Identify the different parts of the script</a:t>
+            </a:r>
+          </a:p>
+          <a:p>
+            <a:pPr marL="457200" indent="-457200" algn="just">
+              <a:lnSpc>
+                <a:spcPct val="150000"/>
+              </a:lnSpc>
+              <a:buFont typeface="Wingdings" panose="05000000000000000000" pitchFamily="2" charset="2"/>
+              <a:buChar char="v"/>
+            </a:pPr>
+            <a:r>
+              <a:rPr lang="en-US" sz="2800" b="0" i="0" dirty="0">
+                <a:solidFill>
+                  <a:srgbClr val="24292F"/>
+                </a:solidFill>
+                <a:effectLst/>
+                <a:latin typeface="Aldrich" panose="020B0604020202020204" charset="0"/>
+              </a:rPr>
+              <a:t>Build the script for the game using python</a:t>
+            </a:r>
+          </a:p>
+          <a:p>
+            <a:pPr marL="457200" indent="-457200" algn="just">
+              <a:lnSpc>
+                <a:spcPct val="150000"/>
+              </a:lnSpc>
+              <a:buFont typeface="Wingdings" panose="05000000000000000000" pitchFamily="2" charset="2"/>
+              <a:buChar char="v"/>
+            </a:pPr>
+            <a:r>
+              <a:rPr lang="en-US" sz="2800" b="0" i="0" dirty="0">
+                <a:solidFill>
+                  <a:srgbClr val="24292F"/>
+                </a:solidFill>
+                <a:effectLst/>
+                <a:latin typeface="Aldrich" panose="020B0604020202020204" charset="0"/>
+              </a:rPr>
+              <a:t>Test the script</a:t>
+            </a:r>
+          </a:p>
+        </p:txBody>
+      </p:sp>
+    </p:spTree>
+    <p:extLst>
+      <p:ext uri="{BB962C8B-B14F-4D97-AF65-F5344CB8AC3E}">
+        <p14:creationId xmlns:p14="http://schemas.microsoft.com/office/powerpoint/2010/main" val="3722804582"/>
+      </p:ext>
+    </p:extLst>
+  </p:cSld>
+  <p:clrMapOvr>
+    <a:masterClrMapping/>
+  </p:clrMapOvr>
+</p:sld>
+</file>
+
+<file path=ppt/slides/slide7.xml><?xml version="1.0" encoding="utf-8"?>
+<p:sld xmlns:a="http://schemas.openxmlformats.org/drawingml/2006/main" xmlns:r="http://schemas.openxmlformats.org/officeDocument/2006/relationships" xmlns:p="http://schemas.openxmlformats.org/presentationml/2006/main">
+  <p:cSld>
+    <p:spTree>
+      <p:nvGrpSpPr>
+        <p:cNvPr id="1" name="Shape 238"/>
+        <p:cNvGrpSpPr/>
+        <p:nvPr/>
+      </p:nvGrpSpPr>
+      <p:grpSpPr>
+        <a:xfrm>
+          <a:off x="0" y="0"/>
+          <a:ext cx="0" cy="0"/>
+          <a:chOff x="0" y="0"/>
+          <a:chExt cx="0" cy="0"/>
+        </a:xfrm>
+      </p:grpSpPr>
+      <p:pic>
+        <p:nvPicPr>
+          <p:cNvPr id="9" name="Picture 8" descr="A blue sign with white text&#10;&#10;Description automatically generated with medium confidence">
+            <a:extLst>
+              <a:ext uri="{FF2B5EF4-FFF2-40B4-BE49-F238E27FC236}">
+                <a16:creationId xmlns:a16="http://schemas.microsoft.com/office/drawing/2014/main" id="{75481B7E-2286-59EB-234F-A3198029FE4C}"/>
+              </a:ext>
+            </a:extLst>
+          </p:cNvPr>
+          <p:cNvPicPr>
+            <a:picLocks noChangeAspect="1"/>
+          </p:cNvPicPr>
+          <p:nvPr/>
+        </p:nvPicPr>
+        <p:blipFill>
+          <a:blip r:embed="rId3"/>
+          <a:stretch>
+            <a:fillRect/>
+          </a:stretch>
+        </p:blipFill>
+        <p:spPr>
+          <a:xfrm>
+            <a:off x="522517" y="351701"/>
+            <a:ext cx="655526" cy="573585"/>
+          </a:xfrm>
+          <a:prstGeom prst="rect">
+            <a:avLst/>
+          </a:prstGeom>
+        </p:spPr>
+      </p:pic>
+      <p:sp>
+        <p:nvSpPr>
+          <p:cNvPr id="6" name="Title 5">
+            <a:extLst>
+              <a:ext uri="{FF2B5EF4-FFF2-40B4-BE49-F238E27FC236}">
+                <a16:creationId xmlns:a16="http://schemas.microsoft.com/office/drawing/2014/main" id="{4873B197-530D-4DC1-C678-6B4E0477D25D}"/>
+              </a:ext>
+            </a:extLst>
+          </p:cNvPr>
+          <p:cNvSpPr>
+            <a:spLocks noGrp="1"/>
+          </p:cNvSpPr>
+          <p:nvPr>
+            <p:ph type="title"/>
+          </p:nvPr>
+        </p:nvSpPr>
+        <p:spPr>
+          <a:xfrm>
+            <a:off x="522517" y="351701"/>
+            <a:ext cx="10841100" cy="497385"/>
+          </a:xfrm>
+        </p:spPr>
+        <p:txBody>
+          <a:bodyPr/>
+          <a:lstStyle/>
+          <a:p>
+            <a:pPr algn="ctr"/>
+            <a:r>
+              <a:rPr lang="fr-FR" sz="2800" dirty="0"/>
               <a:t>FLOW CHART</a:t>
             </a:r>
             <a:endParaRPr lang="en-US" sz="2800" dirty="0"/>
@@ -16703,7 +17430,7 @@
 </p:sld>
 </file>
 
-<file path=ppt/slides/slide6.xml><?xml version="1.0" encoding="utf-8"?>
+<file path=ppt/slides/slide8.xml><?xml version="1.0" encoding="utf-8"?>
 <p:sld xmlns:a="http://schemas.openxmlformats.org/drawingml/2006/main" xmlns:r="http://schemas.openxmlformats.org/officeDocument/2006/relationships" xmlns:p="http://schemas.openxmlformats.org/presentationml/2006/main">
   <p:cSld>
     <p:spTree>
@@ -16828,7 +17555,7 @@
 </p:sld>
 </file>
 
-<file path=ppt/slides/slide7.xml><?xml version="1.0" encoding="utf-8"?>
+<file path=ppt/slides/slide9.xml><?xml version="1.0" encoding="utf-8"?>
 <p:sld xmlns:a="http://schemas.openxmlformats.org/drawingml/2006/main" xmlns:r="http://schemas.openxmlformats.org/officeDocument/2006/relationships" xmlns:p="http://schemas.openxmlformats.org/presentationml/2006/main">
   <p:cSld>
     <p:spTree>
@@ -16944,118 +17671,6 @@
     <p:extLst>
       <p:ext uri="{BB962C8B-B14F-4D97-AF65-F5344CB8AC3E}">
         <p14:creationId xmlns:p14="http://schemas.microsoft.com/office/powerpoint/2010/main" val="3215186020"/>
-      </p:ext>
-    </p:extLst>
-  </p:cSld>
-  <p:clrMapOvr>
-    <a:masterClrMapping/>
-  </p:clrMapOvr>
-</p:sld>
-</file>
-
-<file path=ppt/slides/slide8.xml><?xml version="1.0" encoding="utf-8"?>
-<p:sld xmlns:a="http://schemas.openxmlformats.org/drawingml/2006/main" xmlns:r="http://schemas.openxmlformats.org/officeDocument/2006/relationships" xmlns:p="http://schemas.openxmlformats.org/presentationml/2006/main">
-  <p:cSld>
-    <p:spTree>
-      <p:nvGrpSpPr>
-        <p:cNvPr id="1" name="Shape 238"/>
-        <p:cNvGrpSpPr/>
-        <p:nvPr/>
-      </p:nvGrpSpPr>
-      <p:grpSpPr>
-        <a:xfrm>
-          <a:off x="0" y="0"/>
-          <a:ext cx="0" cy="0"/>
-          <a:chOff x="0" y="0"/>
-          <a:chExt cx="0" cy="0"/>
-        </a:xfrm>
-      </p:grpSpPr>
-      <p:sp>
-        <p:nvSpPr>
-          <p:cNvPr id="239" name="Google Shape;239;p26"/>
-          <p:cNvSpPr txBox="1">
-            <a:spLocks noGrp="1"/>
-          </p:cNvSpPr>
-          <p:nvPr>
-            <p:ph type="title"/>
-          </p:nvPr>
-        </p:nvSpPr>
-        <p:spPr>
-          <a:xfrm>
-            <a:off x="1741712" y="1774372"/>
-            <a:ext cx="8349343" cy="3080657"/>
-          </a:xfrm>
-          <a:prstGeom prst="rect">
-            <a:avLst/>
-          </a:prstGeom>
-        </p:spPr>
-        <p:txBody>
-          <a:bodyPr spcFirstLastPara="1" wrap="square" lIns="121900" tIns="121900" rIns="121900" bIns="121900" anchor="b" anchorCtr="0">
-            <a:noAutofit/>
-          </a:bodyPr>
-          <a:lstStyle/>
-          <a:p>
-            <a:pPr marL="0" lvl="0" indent="0" algn="ctr" rtl="0">
-              <a:spcBef>
-                <a:spcPts val="0"/>
-              </a:spcBef>
-              <a:spcAft>
-                <a:spcPts val="0"/>
-              </a:spcAft>
-              <a:buNone/>
-            </a:pPr>
-            <a:r>
-              <a:rPr lang="fr-FR" sz="7200" dirty="0"/>
-              <a:t>THANK YOU</a:t>
-            </a:r>
-            <a:br>
-              <a:rPr lang="fr-FR" sz="7200" dirty="0"/>
-            </a:br>
-            <a:br>
-              <a:rPr lang="fr-FR" sz="7200" dirty="0"/>
-            </a:br>
-            <a:r>
-              <a:rPr lang="fr-FR" sz="7200" dirty="0"/>
-              <a:t>NOW LET’S PLAY</a:t>
-            </a:r>
-            <a:endParaRPr sz="7200" dirty="0"/>
-          </a:p>
-        </p:txBody>
-      </p:sp>
-      <p:pic>
-        <p:nvPicPr>
-          <p:cNvPr id="9" name="Picture 8" descr="A blue sign with white text&#10;&#10;Description automatically generated with medium confidence">
-            <a:extLst>
-              <a:ext uri="{FF2B5EF4-FFF2-40B4-BE49-F238E27FC236}">
-                <a16:creationId xmlns:a16="http://schemas.microsoft.com/office/drawing/2014/main" id="{75481B7E-2286-59EB-234F-A3198029FE4C}"/>
-              </a:ext>
-            </a:extLst>
-          </p:cNvPr>
-          <p:cNvPicPr>
-            <a:picLocks noChangeAspect="1"/>
-          </p:cNvPicPr>
-          <p:nvPr/>
-        </p:nvPicPr>
-        <p:blipFill>
-          <a:blip r:embed="rId3"/>
-          <a:stretch>
-            <a:fillRect/>
-          </a:stretch>
-        </p:blipFill>
-        <p:spPr>
-          <a:xfrm>
-            <a:off x="522517" y="351701"/>
-            <a:ext cx="655526" cy="573585"/>
-          </a:xfrm>
-          <a:prstGeom prst="rect">
-            <a:avLst/>
-          </a:prstGeom>
-        </p:spPr>
-      </p:pic>
-    </p:spTree>
-    <p:extLst>
-      <p:ext uri="{BB962C8B-B14F-4D97-AF65-F5344CB8AC3E}">
-        <p14:creationId xmlns:p14="http://schemas.microsoft.com/office/powerpoint/2010/main" val="1896731954"/>
       </p:ext>
     </p:extLst>
   </p:cSld>
